--- a/Course Material/Presentations/Functions and Classes.pptx
+++ b/Course Material/Presentations/Functions and Classes.pptx
@@ -15,7 +15,7 @@
     <p:sldId id="262" r:id="rId9"/>
     <p:sldId id="273" r:id="rId10"/>
     <p:sldId id="261" r:id="rId11"/>
-    <p:sldId id="275" r:id="rId12"/>
+    <p:sldId id="277" r:id="rId12"/>
     <p:sldId id="276" r:id="rId13"/>
     <p:sldId id="260" r:id="rId14"/>
     <p:sldId id="269" r:id="rId15"/>
@@ -24,8 +24,7 @@
     <p:sldId id="263" r:id="rId18"/>
     <p:sldId id="259" r:id="rId19"/>
     <p:sldId id="271" r:id="rId20"/>
-    <p:sldId id="257" r:id="rId21"/>
-    <p:sldId id="258" r:id="rId22"/>
+    <p:sldId id="258" r:id="rId21"/>
   </p:sldIdLst>
   <p:sldSz cx="12192000" cy="6858000"/>
   <p:notesSz cx="6858000" cy="9144000"/>
@@ -124,6 +123,11 @@
       </a:defRPr>
     </a:lvl9pPr>
   </p:defaultTextStyle>
+  <p:extLst>
+    <p:ext uri="{EFAFB233-063F-42B5-8137-9DF3F51BA10A}">
+      <p15:sldGuideLst xmlns:p15="http://schemas.microsoft.com/office/powerpoint/2012/main"/>
+    </p:ext>
+  </p:extLst>
 </p:presentation>
 </file>
 
@@ -3005,7 +3009,7 @@
           <a:p>
             <a:fld id="{C477F7B1-4E55-4D1C-B2D3-836A5640D5C6}" type="datetimeFigureOut">
               <a:rPr lang="en-US" smtClean="0"/>
-              <a:t>2/26/2022</a:t>
+              <a:t>3/3/2022</a:t>
             </a:fld>
             <a:endParaRPr lang="en-US"/>
           </a:p>
@@ -3166,7 +3170,7 @@
           <a:p>
             <a:fld id="{C477F7B1-4E55-4D1C-B2D3-836A5640D5C6}" type="datetimeFigureOut">
               <a:rPr lang="en-US" smtClean="0"/>
-              <a:t>2/26/2022</a:t>
+              <a:t>3/3/2022</a:t>
             </a:fld>
             <a:endParaRPr lang="en-US"/>
           </a:p>
@@ -3421,7 +3425,7 @@
           <a:p>
             <a:fld id="{C477F7B1-4E55-4D1C-B2D3-836A5640D5C6}" type="datetimeFigureOut">
               <a:rPr lang="en-US" smtClean="0"/>
-              <a:t>2/26/2022</a:t>
+              <a:t>3/3/2022</a:t>
             </a:fld>
             <a:endParaRPr lang="en-US"/>
           </a:p>
@@ -4024,6 +4028,282 @@
           </a:prstGeom>
         </p:spPr>
       </p:pic>
+      <p:sp>
+        <p:nvSpPr>
+          <p:cNvPr id="3" name="Subtitle 2">
+            <a:extLst>
+              <a:ext uri="{FF2B5EF4-FFF2-40B4-BE49-F238E27FC236}">
+                <a16:creationId xmlns:a16="http://schemas.microsoft.com/office/drawing/2014/main" id="{85BD7243-DE7A-47A6-A783-B31DBBDC64F1}"/>
+              </a:ext>
+            </a:extLst>
+          </p:cNvPr>
+          <p:cNvSpPr txBox="1">
+            <a:spLocks/>
+          </p:cNvSpPr>
+          <p:nvPr/>
+        </p:nvSpPr>
+        <p:spPr>
+          <a:xfrm>
+            <a:off x="345003" y="284086"/>
+            <a:ext cx="4687409" cy="5770486"/>
+          </a:xfrm>
+          <a:prstGeom prst="rect">
+            <a:avLst/>
+          </a:prstGeom>
+        </p:spPr>
+        <p:txBody>
+          <a:bodyPr/>
+          <a:lstStyle>
+            <a:lvl1pPr marL="228600" indent="-228600" algn="l" defTabSz="914400" rtl="0" eaLnBrk="1" latinLnBrk="0" hangingPunct="1">
+              <a:lnSpc>
+                <a:spcPct val="90000"/>
+              </a:lnSpc>
+              <a:spcBef>
+                <a:spcPts val="1000"/>
+              </a:spcBef>
+              <a:buFont typeface="Arial" panose="020B0604020202020204" pitchFamily="34" charset="0"/>
+              <a:buChar char="•"/>
+              <a:defRPr sz="2800" kern="1200">
+                <a:solidFill>
+                  <a:schemeClr val="tx1"/>
+                </a:solidFill>
+                <a:latin typeface="+mn-lt"/>
+                <a:ea typeface="+mn-ea"/>
+                <a:cs typeface="+mn-cs"/>
+              </a:defRPr>
+            </a:lvl1pPr>
+            <a:lvl2pPr marL="685800" indent="-228600" algn="l" defTabSz="914400" rtl="0" eaLnBrk="1" latinLnBrk="0" hangingPunct="1">
+              <a:lnSpc>
+                <a:spcPct val="90000"/>
+              </a:lnSpc>
+              <a:spcBef>
+                <a:spcPts val="500"/>
+              </a:spcBef>
+              <a:buFont typeface="Arial" panose="020B0604020202020204" pitchFamily="34" charset="0"/>
+              <a:buChar char="•"/>
+              <a:defRPr sz="2400" kern="1200">
+                <a:solidFill>
+                  <a:schemeClr val="tx1"/>
+                </a:solidFill>
+                <a:latin typeface="+mn-lt"/>
+                <a:ea typeface="+mn-ea"/>
+                <a:cs typeface="+mn-cs"/>
+              </a:defRPr>
+            </a:lvl2pPr>
+            <a:lvl3pPr marL="1143000" indent="-228600" algn="l" defTabSz="914400" rtl="0" eaLnBrk="1" latinLnBrk="0" hangingPunct="1">
+              <a:lnSpc>
+                <a:spcPct val="90000"/>
+              </a:lnSpc>
+              <a:spcBef>
+                <a:spcPts val="500"/>
+              </a:spcBef>
+              <a:buFont typeface="Arial" panose="020B0604020202020204" pitchFamily="34" charset="0"/>
+              <a:buChar char="•"/>
+              <a:defRPr sz="2000" kern="1200">
+                <a:solidFill>
+                  <a:schemeClr val="tx1"/>
+                </a:solidFill>
+                <a:latin typeface="+mn-lt"/>
+                <a:ea typeface="+mn-ea"/>
+                <a:cs typeface="+mn-cs"/>
+              </a:defRPr>
+            </a:lvl3pPr>
+            <a:lvl4pPr marL="1600200" indent="-228600" algn="l" defTabSz="914400" rtl="0" eaLnBrk="1" latinLnBrk="0" hangingPunct="1">
+              <a:lnSpc>
+                <a:spcPct val="90000"/>
+              </a:lnSpc>
+              <a:spcBef>
+                <a:spcPts val="500"/>
+              </a:spcBef>
+              <a:buFont typeface="Arial" panose="020B0604020202020204" pitchFamily="34" charset="0"/>
+              <a:buChar char="•"/>
+              <a:defRPr sz="1800" kern="1200">
+                <a:solidFill>
+                  <a:schemeClr val="tx1"/>
+                </a:solidFill>
+                <a:latin typeface="+mn-lt"/>
+                <a:ea typeface="+mn-ea"/>
+                <a:cs typeface="+mn-cs"/>
+              </a:defRPr>
+            </a:lvl4pPr>
+            <a:lvl5pPr marL="2057400" indent="-228600" algn="l" defTabSz="914400" rtl="0" eaLnBrk="1" latinLnBrk="0" hangingPunct="1">
+              <a:lnSpc>
+                <a:spcPct val="90000"/>
+              </a:lnSpc>
+              <a:spcBef>
+                <a:spcPts val="500"/>
+              </a:spcBef>
+              <a:buFont typeface="Arial" panose="020B0604020202020204" pitchFamily="34" charset="0"/>
+              <a:buChar char="•"/>
+              <a:defRPr sz="1800" kern="1200">
+                <a:solidFill>
+                  <a:schemeClr val="tx1"/>
+                </a:solidFill>
+                <a:latin typeface="+mn-lt"/>
+                <a:ea typeface="+mn-ea"/>
+                <a:cs typeface="+mn-cs"/>
+              </a:defRPr>
+            </a:lvl5pPr>
+            <a:lvl6pPr marL="2514600" indent="-228600" algn="l" defTabSz="914400" rtl="0" eaLnBrk="1" latinLnBrk="0" hangingPunct="1">
+              <a:lnSpc>
+                <a:spcPct val="90000"/>
+              </a:lnSpc>
+              <a:spcBef>
+                <a:spcPts val="500"/>
+              </a:spcBef>
+              <a:buFont typeface="Arial" panose="020B0604020202020204" pitchFamily="34" charset="0"/>
+              <a:buChar char="•"/>
+              <a:defRPr sz="1800" kern="1200">
+                <a:solidFill>
+                  <a:schemeClr val="tx1"/>
+                </a:solidFill>
+                <a:latin typeface="+mn-lt"/>
+                <a:ea typeface="+mn-ea"/>
+                <a:cs typeface="+mn-cs"/>
+              </a:defRPr>
+            </a:lvl6pPr>
+            <a:lvl7pPr marL="2971800" indent="-228600" algn="l" defTabSz="914400" rtl="0" eaLnBrk="1" latinLnBrk="0" hangingPunct="1">
+              <a:lnSpc>
+                <a:spcPct val="90000"/>
+              </a:lnSpc>
+              <a:spcBef>
+                <a:spcPts val="500"/>
+              </a:spcBef>
+              <a:buFont typeface="Arial" panose="020B0604020202020204" pitchFamily="34" charset="0"/>
+              <a:buChar char="•"/>
+              <a:defRPr sz="1800" kern="1200">
+                <a:solidFill>
+                  <a:schemeClr val="tx1"/>
+                </a:solidFill>
+                <a:latin typeface="+mn-lt"/>
+                <a:ea typeface="+mn-ea"/>
+                <a:cs typeface="+mn-cs"/>
+              </a:defRPr>
+            </a:lvl7pPr>
+            <a:lvl8pPr marL="3429000" indent="-228600" algn="l" defTabSz="914400" rtl="0" eaLnBrk="1" latinLnBrk="0" hangingPunct="1">
+              <a:lnSpc>
+                <a:spcPct val="90000"/>
+              </a:lnSpc>
+              <a:spcBef>
+                <a:spcPts val="500"/>
+              </a:spcBef>
+              <a:buFont typeface="Arial" panose="020B0604020202020204" pitchFamily="34" charset="0"/>
+              <a:buChar char="•"/>
+              <a:defRPr sz="1800" kern="1200">
+                <a:solidFill>
+                  <a:schemeClr val="tx1"/>
+                </a:solidFill>
+                <a:latin typeface="+mn-lt"/>
+                <a:ea typeface="+mn-ea"/>
+                <a:cs typeface="+mn-cs"/>
+              </a:defRPr>
+            </a:lvl8pPr>
+            <a:lvl9pPr marL="3886200" indent="-228600" algn="l" defTabSz="914400" rtl="0" eaLnBrk="1" latinLnBrk="0" hangingPunct="1">
+              <a:lnSpc>
+                <a:spcPct val="90000"/>
+              </a:lnSpc>
+              <a:spcBef>
+                <a:spcPts val="500"/>
+              </a:spcBef>
+              <a:buFont typeface="Arial" panose="020B0604020202020204" pitchFamily="34" charset="0"/>
+              <a:buChar char="•"/>
+              <a:defRPr sz="1800" kern="1200">
+                <a:solidFill>
+                  <a:schemeClr val="tx1"/>
+                </a:solidFill>
+                <a:latin typeface="+mn-lt"/>
+                <a:ea typeface="+mn-ea"/>
+                <a:cs typeface="+mn-cs"/>
+              </a:defRPr>
+            </a:lvl9pPr>
+          </a:lstStyle>
+          <a:p>
+            <a:pPr marL="342900" indent="-342900"/>
+            <a:r>
+              <a:rPr lang="en-US" sz="2000" dirty="0"/>
+              <a:t>In Python we can create a class constructor by using the special __</a:t>
+            </a:r>
+            <a:r>
+              <a:rPr lang="en-US" sz="2000" dirty="0" err="1"/>
+              <a:t>init</a:t>
+            </a:r>
+            <a:r>
+              <a:rPr lang="en-US" sz="2000" dirty="0"/>
+              <a:t>__() method. </a:t>
+            </a:r>
+          </a:p>
+          <a:p>
+            <a:pPr marL="342900" indent="-342900"/>
+            <a:r>
+              <a:rPr lang="en-US" sz="2000" dirty="0"/>
+              <a:t>Every method in a python class takes a special keyword self as an argument. </a:t>
+            </a:r>
+          </a:p>
+          <a:p>
+            <a:pPr marL="342900" indent="-342900"/>
+            <a:r>
+              <a:rPr lang="en-US" sz="2000" dirty="0"/>
+              <a:t>Self keyword is used to refer to the object of the class. </a:t>
+            </a:r>
+          </a:p>
+          <a:p>
+            <a:pPr marL="342900" indent="-342900"/>
+            <a:r>
+              <a:rPr lang="en-US" sz="2000" dirty="0"/>
+              <a:t>Python supports three types of access specifiers </a:t>
+            </a:r>
+          </a:p>
+          <a:p>
+            <a:pPr marL="342900" indent="-342900"/>
+            <a:r>
+              <a:rPr lang="en-US" sz="2000" b="1" i="1" u="sng" dirty="0"/>
+              <a:t>Access Specifiers in Python</a:t>
+            </a:r>
+          </a:p>
+          <a:p>
+            <a:pPr marL="342900" indent="-342900"/>
+            <a:r>
+              <a:rPr lang="en-US" sz="2000" dirty="0"/>
+              <a:t>Private</a:t>
+            </a:r>
+          </a:p>
+          <a:p>
+            <a:pPr marL="800100" lvl="1" indent="-342900"/>
+            <a:r>
+              <a:rPr lang="en-US" sz="1600" dirty="0"/>
+              <a:t>Any variable prefixed with double underscore</a:t>
+            </a:r>
+          </a:p>
+          <a:p>
+            <a:pPr marL="342900" indent="-342900"/>
+            <a:r>
+              <a:rPr lang="en-US" sz="2000" dirty="0"/>
+              <a:t>Protected</a:t>
+            </a:r>
+          </a:p>
+          <a:p>
+            <a:pPr marL="800100" lvl="1" indent="-342900"/>
+            <a:r>
+              <a:rPr lang="en-US" sz="1600" dirty="0"/>
+              <a:t>Any variable prefixed with single underscore</a:t>
+            </a:r>
+          </a:p>
+          <a:p>
+            <a:pPr marL="342900" indent="-342900"/>
+            <a:r>
+              <a:rPr lang="en-US" sz="2000" dirty="0"/>
+              <a:t>Public</a:t>
+            </a:r>
+          </a:p>
+          <a:p>
+            <a:pPr marL="800100" lvl="1" indent="-342900"/>
+            <a:r>
+              <a:rPr lang="en-US" sz="1600" dirty="0"/>
+              <a:t>No underscore</a:t>
+            </a:r>
+          </a:p>
+        </p:txBody>
+      </p:sp>
     </p:spTree>
     <p:extLst>
       <p:ext uri="{BB962C8B-B14F-4D97-AF65-F5344CB8AC3E}">
@@ -4054,39 +4334,335 @@
           <a:chExt cx="0" cy="0"/>
         </a:xfrm>
       </p:grpSpPr>
-      <p:sp>
-        <p:nvSpPr>
-          <p:cNvPr id="2" name="Title 1">
+      <p:pic>
+        <p:nvPicPr>
+          <p:cNvPr id="2" name="Picture 1">
             <a:extLst>
               <a:ext uri="{FF2B5EF4-FFF2-40B4-BE49-F238E27FC236}">
-                <a16:creationId xmlns:a16="http://schemas.microsoft.com/office/drawing/2014/main" id="{9ED05A1C-B94A-465E-8A50-40DD6A35FE0C}"/>
+                <a16:creationId xmlns:a16="http://schemas.microsoft.com/office/drawing/2014/main" id="{1E087843-6F13-43AC-ABA3-7BCF10873482}"/>
               </a:ext>
             </a:extLst>
           </p:cNvPr>
-          <p:cNvSpPr>
-            <a:spLocks noGrp="1"/>
+          <p:cNvPicPr>
+            <a:picLocks noChangeAspect="1"/>
+          </p:cNvPicPr>
+          <p:nvPr/>
+        </p:nvPicPr>
+        <p:blipFill>
+          <a:blip r:embed="rId2">
+            <a:extLst>
+              <a:ext uri="{28A0092B-C50C-407E-A947-70E740481C1C}">
+                <a14:useLocalDpi xmlns:a14="http://schemas.microsoft.com/office/drawing/2010/main" val="0"/>
+              </a:ext>
+            </a:extLst>
+          </a:blip>
+          <a:stretch>
+            <a:fillRect/>
+          </a:stretch>
+        </p:blipFill>
+        <p:spPr>
+          <a:xfrm>
+            <a:off x="5379871" y="734046"/>
+            <a:ext cx="6706827" cy="6023215"/>
+          </a:xfrm>
+          <a:prstGeom prst="rect">
+            <a:avLst/>
+          </a:prstGeom>
+        </p:spPr>
+      </p:pic>
+      <p:sp>
+        <p:nvSpPr>
+          <p:cNvPr id="3" name="Subtitle 2">
+            <a:extLst>
+              <a:ext uri="{FF2B5EF4-FFF2-40B4-BE49-F238E27FC236}">
+                <a16:creationId xmlns:a16="http://schemas.microsoft.com/office/drawing/2014/main" id="{85BD7243-DE7A-47A6-A783-B31DBBDC64F1}"/>
+              </a:ext>
+            </a:extLst>
+          </p:cNvPr>
+          <p:cNvSpPr txBox="1">
+            <a:spLocks/>
           </p:cNvSpPr>
-          <p:nvPr>
-            <p:ph type="ctrTitle"/>
-          </p:nvPr>
+          <p:nvPr/>
         </p:nvSpPr>
-        <p:spPr/>
+        <p:spPr>
+          <a:xfrm>
+            <a:off x="345003" y="1096390"/>
+            <a:ext cx="4687409" cy="4958181"/>
+          </a:xfrm>
+          <a:prstGeom prst="rect">
+            <a:avLst/>
+          </a:prstGeom>
+        </p:spPr>
         <p:txBody>
           <a:bodyPr/>
-          <a:lstStyle/>
-          <a:p>
-            <a:r>
-              <a:rPr lang="en-US" b="1" dirty="0"/>
-              <a:t>Access specifiers</a:t>
-            </a:r>
-            <a:endParaRPr lang="en-IN" b="1" dirty="0"/>
+          <a:lstStyle>
+            <a:lvl1pPr marL="228600" indent="-228600" algn="l" defTabSz="914400" rtl="0" eaLnBrk="1" latinLnBrk="0" hangingPunct="1">
+              <a:lnSpc>
+                <a:spcPct val="90000"/>
+              </a:lnSpc>
+              <a:spcBef>
+                <a:spcPts val="1000"/>
+              </a:spcBef>
+              <a:buFont typeface="Arial" panose="020B0604020202020204" pitchFamily="34" charset="0"/>
+              <a:buChar char="•"/>
+              <a:defRPr sz="2800" kern="1200">
+                <a:solidFill>
+                  <a:schemeClr val="tx1"/>
+                </a:solidFill>
+                <a:latin typeface="+mn-lt"/>
+                <a:ea typeface="+mn-ea"/>
+                <a:cs typeface="+mn-cs"/>
+              </a:defRPr>
+            </a:lvl1pPr>
+            <a:lvl2pPr marL="685800" indent="-228600" algn="l" defTabSz="914400" rtl="0" eaLnBrk="1" latinLnBrk="0" hangingPunct="1">
+              <a:lnSpc>
+                <a:spcPct val="90000"/>
+              </a:lnSpc>
+              <a:spcBef>
+                <a:spcPts val="500"/>
+              </a:spcBef>
+              <a:buFont typeface="Arial" panose="020B0604020202020204" pitchFamily="34" charset="0"/>
+              <a:buChar char="•"/>
+              <a:defRPr sz="2400" kern="1200">
+                <a:solidFill>
+                  <a:schemeClr val="tx1"/>
+                </a:solidFill>
+                <a:latin typeface="+mn-lt"/>
+                <a:ea typeface="+mn-ea"/>
+                <a:cs typeface="+mn-cs"/>
+              </a:defRPr>
+            </a:lvl2pPr>
+            <a:lvl3pPr marL="1143000" indent="-228600" algn="l" defTabSz="914400" rtl="0" eaLnBrk="1" latinLnBrk="0" hangingPunct="1">
+              <a:lnSpc>
+                <a:spcPct val="90000"/>
+              </a:lnSpc>
+              <a:spcBef>
+                <a:spcPts val="500"/>
+              </a:spcBef>
+              <a:buFont typeface="Arial" panose="020B0604020202020204" pitchFamily="34" charset="0"/>
+              <a:buChar char="•"/>
+              <a:defRPr sz="2000" kern="1200">
+                <a:solidFill>
+                  <a:schemeClr val="tx1"/>
+                </a:solidFill>
+                <a:latin typeface="+mn-lt"/>
+                <a:ea typeface="+mn-ea"/>
+                <a:cs typeface="+mn-cs"/>
+              </a:defRPr>
+            </a:lvl3pPr>
+            <a:lvl4pPr marL="1600200" indent="-228600" algn="l" defTabSz="914400" rtl="0" eaLnBrk="1" latinLnBrk="0" hangingPunct="1">
+              <a:lnSpc>
+                <a:spcPct val="90000"/>
+              </a:lnSpc>
+              <a:spcBef>
+                <a:spcPts val="500"/>
+              </a:spcBef>
+              <a:buFont typeface="Arial" panose="020B0604020202020204" pitchFamily="34" charset="0"/>
+              <a:buChar char="•"/>
+              <a:defRPr sz="1800" kern="1200">
+                <a:solidFill>
+                  <a:schemeClr val="tx1"/>
+                </a:solidFill>
+                <a:latin typeface="+mn-lt"/>
+                <a:ea typeface="+mn-ea"/>
+                <a:cs typeface="+mn-cs"/>
+              </a:defRPr>
+            </a:lvl4pPr>
+            <a:lvl5pPr marL="2057400" indent="-228600" algn="l" defTabSz="914400" rtl="0" eaLnBrk="1" latinLnBrk="0" hangingPunct="1">
+              <a:lnSpc>
+                <a:spcPct val="90000"/>
+              </a:lnSpc>
+              <a:spcBef>
+                <a:spcPts val="500"/>
+              </a:spcBef>
+              <a:buFont typeface="Arial" panose="020B0604020202020204" pitchFamily="34" charset="0"/>
+              <a:buChar char="•"/>
+              <a:defRPr sz="1800" kern="1200">
+                <a:solidFill>
+                  <a:schemeClr val="tx1"/>
+                </a:solidFill>
+                <a:latin typeface="+mn-lt"/>
+                <a:ea typeface="+mn-ea"/>
+                <a:cs typeface="+mn-cs"/>
+              </a:defRPr>
+            </a:lvl5pPr>
+            <a:lvl6pPr marL="2514600" indent="-228600" algn="l" defTabSz="914400" rtl="0" eaLnBrk="1" latinLnBrk="0" hangingPunct="1">
+              <a:lnSpc>
+                <a:spcPct val="90000"/>
+              </a:lnSpc>
+              <a:spcBef>
+                <a:spcPts val="500"/>
+              </a:spcBef>
+              <a:buFont typeface="Arial" panose="020B0604020202020204" pitchFamily="34" charset="0"/>
+              <a:buChar char="•"/>
+              <a:defRPr sz="1800" kern="1200">
+                <a:solidFill>
+                  <a:schemeClr val="tx1"/>
+                </a:solidFill>
+                <a:latin typeface="+mn-lt"/>
+                <a:ea typeface="+mn-ea"/>
+                <a:cs typeface="+mn-cs"/>
+              </a:defRPr>
+            </a:lvl6pPr>
+            <a:lvl7pPr marL="2971800" indent="-228600" algn="l" defTabSz="914400" rtl="0" eaLnBrk="1" latinLnBrk="0" hangingPunct="1">
+              <a:lnSpc>
+                <a:spcPct val="90000"/>
+              </a:lnSpc>
+              <a:spcBef>
+                <a:spcPts val="500"/>
+              </a:spcBef>
+              <a:buFont typeface="Arial" panose="020B0604020202020204" pitchFamily="34" charset="0"/>
+              <a:buChar char="•"/>
+              <a:defRPr sz="1800" kern="1200">
+                <a:solidFill>
+                  <a:schemeClr val="tx1"/>
+                </a:solidFill>
+                <a:latin typeface="+mn-lt"/>
+                <a:ea typeface="+mn-ea"/>
+                <a:cs typeface="+mn-cs"/>
+              </a:defRPr>
+            </a:lvl7pPr>
+            <a:lvl8pPr marL="3429000" indent="-228600" algn="l" defTabSz="914400" rtl="0" eaLnBrk="1" latinLnBrk="0" hangingPunct="1">
+              <a:lnSpc>
+                <a:spcPct val="90000"/>
+              </a:lnSpc>
+              <a:spcBef>
+                <a:spcPts val="500"/>
+              </a:spcBef>
+              <a:buFont typeface="Arial" panose="020B0604020202020204" pitchFamily="34" charset="0"/>
+              <a:buChar char="•"/>
+              <a:defRPr sz="1800" kern="1200">
+                <a:solidFill>
+                  <a:schemeClr val="tx1"/>
+                </a:solidFill>
+                <a:latin typeface="+mn-lt"/>
+                <a:ea typeface="+mn-ea"/>
+                <a:cs typeface="+mn-cs"/>
+              </a:defRPr>
+            </a:lvl8pPr>
+            <a:lvl9pPr marL="3886200" indent="-228600" algn="l" defTabSz="914400" rtl="0" eaLnBrk="1" latinLnBrk="0" hangingPunct="1">
+              <a:lnSpc>
+                <a:spcPct val="90000"/>
+              </a:lnSpc>
+              <a:spcBef>
+                <a:spcPts val="500"/>
+              </a:spcBef>
+              <a:buFont typeface="Arial" panose="020B0604020202020204" pitchFamily="34" charset="0"/>
+              <a:buChar char="•"/>
+              <a:defRPr sz="1800" kern="1200">
+                <a:solidFill>
+                  <a:schemeClr val="tx1"/>
+                </a:solidFill>
+                <a:latin typeface="+mn-lt"/>
+                <a:ea typeface="+mn-ea"/>
+                <a:cs typeface="+mn-cs"/>
+              </a:defRPr>
+            </a:lvl9pPr>
+          </a:lstStyle>
+          <a:p>
+            <a:pPr marL="342900" indent="-342900"/>
+            <a:r>
+              <a:rPr lang="en-US" sz="2000" dirty="0"/>
+              <a:t>The class has various methods such as </a:t>
+            </a:r>
+          </a:p>
+          <a:p>
+            <a:pPr marL="342900" indent="-342900"/>
+            <a:r>
+              <a:rPr lang="en-US" sz="2000" dirty="0"/>
+              <a:t>Getters and Setters</a:t>
+            </a:r>
+          </a:p>
+          <a:p>
+            <a:pPr marL="800100" lvl="1" indent="-342900"/>
+            <a:r>
+              <a:rPr lang="en-US" sz="1600" dirty="0" err="1"/>
+              <a:t>getColor</a:t>
+            </a:r>
+            <a:r>
+              <a:rPr lang="en-US" sz="1600" dirty="0"/>
+              <a:t>(self)</a:t>
+            </a:r>
+          </a:p>
+          <a:p>
+            <a:pPr marL="800100" lvl="1" indent="-342900"/>
+            <a:r>
+              <a:rPr lang="en-US" sz="1600" dirty="0" err="1"/>
+              <a:t>getWeight</a:t>
+            </a:r>
+            <a:r>
+              <a:rPr lang="en-US" sz="1600" dirty="0"/>
+              <a:t>(self)</a:t>
+            </a:r>
+          </a:p>
+          <a:p>
+            <a:pPr marL="800100" lvl="1" indent="-342900"/>
+            <a:r>
+              <a:rPr lang="en-US" sz="1600" dirty="0"/>
+              <a:t>In this code constructor is used to set the variables. </a:t>
+            </a:r>
+          </a:p>
+          <a:p>
+            <a:pPr marL="342900" indent="-342900"/>
+            <a:r>
+              <a:rPr lang="en-US" sz="2000" dirty="0" err="1"/>
+              <a:t>compareBox</a:t>
+            </a:r>
+            <a:r>
+              <a:rPr lang="en-US" sz="2000" dirty="0"/>
+              <a:t> method</a:t>
+            </a:r>
+          </a:p>
+          <a:p>
+            <a:pPr marL="800100" lvl="1" indent="-342900"/>
+            <a:r>
+              <a:rPr lang="en-US" sz="1600" dirty="0"/>
+              <a:t>Is similar to the </a:t>
+            </a:r>
+            <a:r>
+              <a:rPr lang="en-US" sz="1600" dirty="0" err="1"/>
+              <a:t>compareTo</a:t>
+            </a:r>
+            <a:r>
+              <a:rPr lang="en-US" sz="1600" dirty="0"/>
+              <a:t>() method in java</a:t>
+            </a:r>
+          </a:p>
+          <a:p>
+            <a:pPr marL="342900" indent="-342900"/>
+            <a:r>
+              <a:rPr lang="en-US" sz="2000" dirty="0"/>
+              <a:t>__str__ method</a:t>
+            </a:r>
+          </a:p>
+          <a:p>
+            <a:pPr marL="800100" lvl="1" indent="-342900"/>
+            <a:r>
+              <a:rPr lang="en-US" sz="1600" dirty="0"/>
+              <a:t>Is a special method that is called whenever we print the object of this class.</a:t>
+            </a:r>
+          </a:p>
+          <a:p>
+            <a:pPr marL="800100" lvl="1" indent="-342900"/>
+            <a:r>
+              <a:rPr lang="en-US" sz="1600" dirty="0"/>
+              <a:t>Also similar to the </a:t>
+            </a:r>
+            <a:r>
+              <a:rPr lang="en-US" sz="1600" dirty="0" err="1"/>
+              <a:t>toString</a:t>
+            </a:r>
+            <a:r>
+              <a:rPr lang="en-US" sz="1600" dirty="0"/>
+              <a:t>() method in java</a:t>
+            </a:r>
           </a:p>
         </p:txBody>
       </p:sp>
     </p:spTree>
     <p:extLst>
       <p:ext uri="{BB962C8B-B14F-4D97-AF65-F5344CB8AC3E}">
-        <p14:creationId xmlns:p14="http://schemas.microsoft.com/office/powerpoint/2010/main" val="1703383108"/>
+        <p14:creationId xmlns:p14="http://schemas.microsoft.com/office/powerpoint/2010/main" val="182288766"/>
       </p:ext>
     </p:extLst>
   </p:cSld>
@@ -4141,7 +4717,7 @@
         </p:blipFill>
         <p:spPr>
           <a:xfrm>
-            <a:off x="7370832" y="1109194"/>
+            <a:off x="6172346" y="604176"/>
             <a:ext cx="4711675" cy="5649647"/>
           </a:xfrm>
           <a:prstGeom prst="rect">
@@ -4149,6 +4725,248 @@
           </a:prstGeom>
         </p:spPr>
       </p:pic>
+      <p:sp>
+        <p:nvSpPr>
+          <p:cNvPr id="3" name="Subtitle 2">
+            <a:extLst>
+              <a:ext uri="{FF2B5EF4-FFF2-40B4-BE49-F238E27FC236}">
+                <a16:creationId xmlns:a16="http://schemas.microsoft.com/office/drawing/2014/main" id="{D2F44174-AA55-49E5-AF61-7B9893498CEB}"/>
+              </a:ext>
+            </a:extLst>
+          </p:cNvPr>
+          <p:cNvSpPr txBox="1">
+            <a:spLocks/>
+          </p:cNvSpPr>
+          <p:nvPr/>
+        </p:nvSpPr>
+        <p:spPr>
+          <a:xfrm>
+            <a:off x="345003" y="1096390"/>
+            <a:ext cx="5487626" cy="5224511"/>
+          </a:xfrm>
+          <a:prstGeom prst="rect">
+            <a:avLst/>
+          </a:prstGeom>
+        </p:spPr>
+        <p:txBody>
+          <a:bodyPr/>
+          <a:lstStyle>
+            <a:lvl1pPr marL="228600" indent="-228600" algn="l" defTabSz="914400" rtl="0" eaLnBrk="1" latinLnBrk="0" hangingPunct="1">
+              <a:lnSpc>
+                <a:spcPct val="90000"/>
+              </a:lnSpc>
+              <a:spcBef>
+                <a:spcPts val="1000"/>
+              </a:spcBef>
+              <a:buFont typeface="Arial" panose="020B0604020202020204" pitchFamily="34" charset="0"/>
+              <a:buChar char="•"/>
+              <a:defRPr sz="2800" kern="1200">
+                <a:solidFill>
+                  <a:schemeClr val="tx1"/>
+                </a:solidFill>
+                <a:latin typeface="+mn-lt"/>
+                <a:ea typeface="+mn-ea"/>
+                <a:cs typeface="+mn-cs"/>
+              </a:defRPr>
+            </a:lvl1pPr>
+            <a:lvl2pPr marL="685800" indent="-228600" algn="l" defTabSz="914400" rtl="0" eaLnBrk="1" latinLnBrk="0" hangingPunct="1">
+              <a:lnSpc>
+                <a:spcPct val="90000"/>
+              </a:lnSpc>
+              <a:spcBef>
+                <a:spcPts val="500"/>
+              </a:spcBef>
+              <a:buFont typeface="Arial" panose="020B0604020202020204" pitchFamily="34" charset="0"/>
+              <a:buChar char="•"/>
+              <a:defRPr sz="2400" kern="1200">
+                <a:solidFill>
+                  <a:schemeClr val="tx1"/>
+                </a:solidFill>
+                <a:latin typeface="+mn-lt"/>
+                <a:ea typeface="+mn-ea"/>
+                <a:cs typeface="+mn-cs"/>
+              </a:defRPr>
+            </a:lvl2pPr>
+            <a:lvl3pPr marL="1143000" indent="-228600" algn="l" defTabSz="914400" rtl="0" eaLnBrk="1" latinLnBrk="0" hangingPunct="1">
+              <a:lnSpc>
+                <a:spcPct val="90000"/>
+              </a:lnSpc>
+              <a:spcBef>
+                <a:spcPts val="500"/>
+              </a:spcBef>
+              <a:buFont typeface="Arial" panose="020B0604020202020204" pitchFamily="34" charset="0"/>
+              <a:buChar char="•"/>
+              <a:defRPr sz="2000" kern="1200">
+                <a:solidFill>
+                  <a:schemeClr val="tx1"/>
+                </a:solidFill>
+                <a:latin typeface="+mn-lt"/>
+                <a:ea typeface="+mn-ea"/>
+                <a:cs typeface="+mn-cs"/>
+              </a:defRPr>
+            </a:lvl3pPr>
+            <a:lvl4pPr marL="1600200" indent="-228600" algn="l" defTabSz="914400" rtl="0" eaLnBrk="1" latinLnBrk="0" hangingPunct="1">
+              <a:lnSpc>
+                <a:spcPct val="90000"/>
+              </a:lnSpc>
+              <a:spcBef>
+                <a:spcPts val="500"/>
+              </a:spcBef>
+              <a:buFont typeface="Arial" panose="020B0604020202020204" pitchFamily="34" charset="0"/>
+              <a:buChar char="•"/>
+              <a:defRPr sz="1800" kern="1200">
+                <a:solidFill>
+                  <a:schemeClr val="tx1"/>
+                </a:solidFill>
+                <a:latin typeface="+mn-lt"/>
+                <a:ea typeface="+mn-ea"/>
+                <a:cs typeface="+mn-cs"/>
+              </a:defRPr>
+            </a:lvl4pPr>
+            <a:lvl5pPr marL="2057400" indent="-228600" algn="l" defTabSz="914400" rtl="0" eaLnBrk="1" latinLnBrk="0" hangingPunct="1">
+              <a:lnSpc>
+                <a:spcPct val="90000"/>
+              </a:lnSpc>
+              <a:spcBef>
+                <a:spcPts val="500"/>
+              </a:spcBef>
+              <a:buFont typeface="Arial" panose="020B0604020202020204" pitchFamily="34" charset="0"/>
+              <a:buChar char="•"/>
+              <a:defRPr sz="1800" kern="1200">
+                <a:solidFill>
+                  <a:schemeClr val="tx1"/>
+                </a:solidFill>
+                <a:latin typeface="+mn-lt"/>
+                <a:ea typeface="+mn-ea"/>
+                <a:cs typeface="+mn-cs"/>
+              </a:defRPr>
+            </a:lvl5pPr>
+            <a:lvl6pPr marL="2514600" indent="-228600" algn="l" defTabSz="914400" rtl="0" eaLnBrk="1" latinLnBrk="0" hangingPunct="1">
+              <a:lnSpc>
+                <a:spcPct val="90000"/>
+              </a:lnSpc>
+              <a:spcBef>
+                <a:spcPts val="500"/>
+              </a:spcBef>
+              <a:buFont typeface="Arial" panose="020B0604020202020204" pitchFamily="34" charset="0"/>
+              <a:buChar char="•"/>
+              <a:defRPr sz="1800" kern="1200">
+                <a:solidFill>
+                  <a:schemeClr val="tx1"/>
+                </a:solidFill>
+                <a:latin typeface="+mn-lt"/>
+                <a:ea typeface="+mn-ea"/>
+                <a:cs typeface="+mn-cs"/>
+              </a:defRPr>
+            </a:lvl6pPr>
+            <a:lvl7pPr marL="2971800" indent="-228600" algn="l" defTabSz="914400" rtl="0" eaLnBrk="1" latinLnBrk="0" hangingPunct="1">
+              <a:lnSpc>
+                <a:spcPct val="90000"/>
+              </a:lnSpc>
+              <a:spcBef>
+                <a:spcPts val="500"/>
+              </a:spcBef>
+              <a:buFont typeface="Arial" panose="020B0604020202020204" pitchFamily="34" charset="0"/>
+              <a:buChar char="•"/>
+              <a:defRPr sz="1800" kern="1200">
+                <a:solidFill>
+                  <a:schemeClr val="tx1"/>
+                </a:solidFill>
+                <a:latin typeface="+mn-lt"/>
+                <a:ea typeface="+mn-ea"/>
+                <a:cs typeface="+mn-cs"/>
+              </a:defRPr>
+            </a:lvl7pPr>
+            <a:lvl8pPr marL="3429000" indent="-228600" algn="l" defTabSz="914400" rtl="0" eaLnBrk="1" latinLnBrk="0" hangingPunct="1">
+              <a:lnSpc>
+                <a:spcPct val="90000"/>
+              </a:lnSpc>
+              <a:spcBef>
+                <a:spcPts val="500"/>
+              </a:spcBef>
+              <a:buFont typeface="Arial" panose="020B0604020202020204" pitchFamily="34" charset="0"/>
+              <a:buChar char="•"/>
+              <a:defRPr sz="1800" kern="1200">
+                <a:solidFill>
+                  <a:schemeClr val="tx1"/>
+                </a:solidFill>
+                <a:latin typeface="+mn-lt"/>
+                <a:ea typeface="+mn-ea"/>
+                <a:cs typeface="+mn-cs"/>
+              </a:defRPr>
+            </a:lvl8pPr>
+            <a:lvl9pPr marL="3886200" indent="-228600" algn="l" defTabSz="914400" rtl="0" eaLnBrk="1" latinLnBrk="0" hangingPunct="1">
+              <a:lnSpc>
+                <a:spcPct val="90000"/>
+              </a:lnSpc>
+              <a:spcBef>
+                <a:spcPts val="500"/>
+              </a:spcBef>
+              <a:buFont typeface="Arial" panose="020B0604020202020204" pitchFamily="34" charset="0"/>
+              <a:buChar char="•"/>
+              <a:defRPr sz="1800" kern="1200">
+                <a:solidFill>
+                  <a:schemeClr val="tx1"/>
+                </a:solidFill>
+                <a:latin typeface="+mn-lt"/>
+                <a:ea typeface="+mn-ea"/>
+                <a:cs typeface="+mn-cs"/>
+              </a:defRPr>
+            </a:lvl9pPr>
+          </a:lstStyle>
+          <a:p>
+            <a:endParaRPr lang="en-US" sz="2000" dirty="0"/>
+          </a:p>
+          <a:p>
+            <a:endParaRPr lang="en-US" sz="2000" dirty="0"/>
+          </a:p>
+          <a:p>
+            <a:endParaRPr lang="en-US" sz="2000" dirty="0"/>
+          </a:p>
+          <a:p>
+            <a:r>
+              <a:rPr lang="en-US" sz="2000" dirty="0"/>
+              <a:t>In this code we are specifying a static variable </a:t>
+            </a:r>
+            <a:r>
+              <a:rPr lang="en-US" sz="2000" dirty="0" err="1"/>
+              <a:t>number_of_boxes</a:t>
+            </a:r>
+            <a:r>
+              <a:rPr lang="en-US" sz="2000" dirty="0"/>
+              <a:t>.</a:t>
+            </a:r>
+          </a:p>
+          <a:p>
+            <a:r>
+              <a:rPr lang="en-US" sz="2000" dirty="0"/>
+              <a:t>A Static variable is always attached to the class not the object. </a:t>
+            </a:r>
+          </a:p>
+          <a:p>
+            <a:r>
+              <a:rPr lang="en-US" sz="2000" dirty="0"/>
+              <a:t>The </a:t>
+            </a:r>
+            <a:r>
+              <a:rPr lang="en-US" sz="2000" dirty="0" err="1"/>
+              <a:t>searchBox</a:t>
+            </a:r>
+            <a:r>
+              <a:rPr lang="en-US" sz="2000" dirty="0"/>
+              <a:t> method utilizes the </a:t>
+            </a:r>
+            <a:r>
+              <a:rPr lang="en-US" sz="2000" dirty="0" err="1"/>
+              <a:t>compareBox</a:t>
+            </a:r>
+            <a:r>
+              <a:rPr lang="en-US" sz="2000" dirty="0"/>
+              <a:t> method of the box class to search for boxes. </a:t>
+            </a:r>
+          </a:p>
+        </p:txBody>
+      </p:sp>
     </p:spTree>
     <p:extLst>
       <p:ext uri="{BB962C8B-B14F-4D97-AF65-F5344CB8AC3E}">
@@ -4542,7 +5360,7 @@
         </p:blipFill>
         <p:spPr>
           <a:xfrm>
-            <a:off x="6427434" y="647654"/>
+            <a:off x="3318861" y="523367"/>
             <a:ext cx="5554277" cy="6000241"/>
           </a:xfrm>
           <a:prstGeom prst="rect">
@@ -4899,10 +5717,10 @@
       </p:grpSpPr>
       <p:pic>
         <p:nvPicPr>
-          <p:cNvPr id="2" name="Picture 1">
+          <p:cNvPr id="4" name="Picture 3">
             <a:extLst>
               <a:ext uri="{FF2B5EF4-FFF2-40B4-BE49-F238E27FC236}">
-                <a16:creationId xmlns:a16="http://schemas.microsoft.com/office/drawing/2014/main" id="{948E8068-B72C-4A8F-BDAD-D86CDF3E5D5A}"/>
+                <a16:creationId xmlns:a16="http://schemas.microsoft.com/office/drawing/2014/main" id="{67AEA48E-9924-447D-A2A4-46DCB673009A}"/>
               </a:ext>
             </a:extLst>
           </p:cNvPr>
@@ -4925,74 +5743,8 @@
         </p:blipFill>
         <p:spPr>
           <a:xfrm>
-            <a:off x="6844684" y="1000898"/>
-            <a:ext cx="5043665" cy="4339243"/>
-          </a:xfrm>
-          <a:prstGeom prst="rect">
-            <a:avLst/>
-          </a:prstGeom>
-        </p:spPr>
-      </p:pic>
-    </p:spTree>
-    <p:extLst>
-      <p:ext uri="{BB962C8B-B14F-4D97-AF65-F5344CB8AC3E}">
-        <p14:creationId xmlns:p14="http://schemas.microsoft.com/office/powerpoint/2010/main" val="1599856702"/>
-      </p:ext>
-    </p:extLst>
-  </p:cSld>
-  <p:clrMapOvr>
-    <a:masterClrMapping/>
-  </p:clrMapOvr>
-</p:sld>
-</file>
-
-<file path=ppt/slides/slide21.xml><?xml version="1.0" encoding="utf-8"?>
-<p:sld xmlns:a="http://schemas.openxmlformats.org/drawingml/2006/main" xmlns:r="http://schemas.openxmlformats.org/officeDocument/2006/relationships" xmlns:p="http://schemas.openxmlformats.org/presentationml/2006/main">
-  <p:cSld>
-    <p:spTree>
-      <p:nvGrpSpPr>
-        <p:cNvPr id="1" name=""/>
-        <p:cNvGrpSpPr/>
-        <p:nvPr/>
-      </p:nvGrpSpPr>
-      <p:grpSpPr>
-        <a:xfrm>
-          <a:off x="0" y="0"/>
-          <a:ext cx="0" cy="0"/>
-          <a:chOff x="0" y="0"/>
-          <a:chExt cx="0" cy="0"/>
-        </a:xfrm>
-      </p:grpSpPr>
-      <p:pic>
-        <p:nvPicPr>
-          <p:cNvPr id="2" name="Picture 1">
-            <a:extLst>
-              <a:ext uri="{FF2B5EF4-FFF2-40B4-BE49-F238E27FC236}">
-                <a16:creationId xmlns:a16="http://schemas.microsoft.com/office/drawing/2014/main" id="{1FF6477B-D245-466B-9FDC-98FFB878049E}"/>
-              </a:ext>
-            </a:extLst>
-          </p:cNvPr>
-          <p:cNvPicPr>
-            <a:picLocks noChangeAspect="1"/>
-          </p:cNvPicPr>
-          <p:nvPr/>
-        </p:nvPicPr>
-        <p:blipFill>
-          <a:blip r:embed="rId2">
-            <a:extLst>
-              <a:ext uri="{28A0092B-C50C-407E-A947-70E740481C1C}">
-                <a14:useLocalDpi xmlns:a14="http://schemas.microsoft.com/office/drawing/2010/main" val="0"/>
-              </a:ext>
-            </a:extLst>
-          </a:blip>
-          <a:stretch>
-            <a:fillRect/>
-          </a:stretch>
-        </p:blipFill>
-        <p:spPr>
-          <a:xfrm>
-            <a:off x="1084664" y="798989"/>
-            <a:ext cx="10022671" cy="3866490"/>
+            <a:off x="201818" y="229793"/>
+            <a:ext cx="6316427" cy="6515171"/>
           </a:xfrm>
           <a:prstGeom prst="rect">
             <a:avLst/>
@@ -5001,10 +5753,10 @@
       </p:pic>
       <p:pic>
         <p:nvPicPr>
-          <p:cNvPr id="3" name="Picture 2">
+          <p:cNvPr id="5" name="Picture 4">
             <a:extLst>
               <a:ext uri="{FF2B5EF4-FFF2-40B4-BE49-F238E27FC236}">
-                <a16:creationId xmlns:a16="http://schemas.microsoft.com/office/drawing/2014/main" id="{3BCAE820-4F41-4AA4-8E3F-E018A53BC1C3}"/>
+                <a16:creationId xmlns:a16="http://schemas.microsoft.com/office/drawing/2014/main" id="{574D9155-82D1-4AE0-B90E-2E17ED45FB9F}"/>
               </a:ext>
             </a:extLst>
           </p:cNvPr>
@@ -5027,8 +5779,8 @@
         </p:blipFill>
         <p:spPr>
           <a:xfrm>
-            <a:off x="8527781" y="4665479"/>
-            <a:ext cx="2712720" cy="571500"/>
+            <a:off x="8651802" y="4917128"/>
+            <a:ext cx="2790825" cy="1000125"/>
           </a:xfrm>
           <a:prstGeom prst="rect">
             <a:avLst/>
@@ -5160,6 +5912,240 @@
           </a:prstGeom>
         </p:spPr>
       </p:pic>
+      <p:sp>
+        <p:nvSpPr>
+          <p:cNvPr id="3" name="Subtitle 2">
+            <a:extLst>
+              <a:ext uri="{FF2B5EF4-FFF2-40B4-BE49-F238E27FC236}">
+                <a16:creationId xmlns:a16="http://schemas.microsoft.com/office/drawing/2014/main" id="{11590224-B8F2-4EC4-AC68-72E9EFFC974C}"/>
+              </a:ext>
+            </a:extLst>
+          </p:cNvPr>
+          <p:cNvSpPr txBox="1">
+            <a:spLocks/>
+          </p:cNvSpPr>
+          <p:nvPr/>
+        </p:nvSpPr>
+        <p:spPr>
+          <a:xfrm>
+            <a:off x="887768" y="1500326"/>
+            <a:ext cx="4707690" cy="4323425"/>
+          </a:xfrm>
+          <a:prstGeom prst="rect">
+            <a:avLst/>
+          </a:prstGeom>
+        </p:spPr>
+        <p:txBody>
+          <a:bodyPr/>
+          <a:lstStyle>
+            <a:lvl1pPr marL="228600" indent="-228600" algn="l" defTabSz="914400" rtl="0" eaLnBrk="1" latinLnBrk="0" hangingPunct="1">
+              <a:lnSpc>
+                <a:spcPct val="90000"/>
+              </a:lnSpc>
+              <a:spcBef>
+                <a:spcPts val="1000"/>
+              </a:spcBef>
+              <a:buFont typeface="Arial" panose="020B0604020202020204" pitchFamily="34" charset="0"/>
+              <a:buChar char="•"/>
+              <a:defRPr sz="2800" kern="1200">
+                <a:solidFill>
+                  <a:schemeClr val="tx1"/>
+                </a:solidFill>
+                <a:latin typeface="+mn-lt"/>
+                <a:ea typeface="+mn-ea"/>
+                <a:cs typeface="+mn-cs"/>
+              </a:defRPr>
+            </a:lvl1pPr>
+            <a:lvl2pPr marL="685800" indent="-228600" algn="l" defTabSz="914400" rtl="0" eaLnBrk="1" latinLnBrk="0" hangingPunct="1">
+              <a:lnSpc>
+                <a:spcPct val="90000"/>
+              </a:lnSpc>
+              <a:spcBef>
+                <a:spcPts val="500"/>
+              </a:spcBef>
+              <a:buFont typeface="Arial" panose="020B0604020202020204" pitchFamily="34" charset="0"/>
+              <a:buChar char="•"/>
+              <a:defRPr sz="2400" kern="1200">
+                <a:solidFill>
+                  <a:schemeClr val="tx1"/>
+                </a:solidFill>
+                <a:latin typeface="+mn-lt"/>
+                <a:ea typeface="+mn-ea"/>
+                <a:cs typeface="+mn-cs"/>
+              </a:defRPr>
+            </a:lvl2pPr>
+            <a:lvl3pPr marL="1143000" indent="-228600" algn="l" defTabSz="914400" rtl="0" eaLnBrk="1" latinLnBrk="0" hangingPunct="1">
+              <a:lnSpc>
+                <a:spcPct val="90000"/>
+              </a:lnSpc>
+              <a:spcBef>
+                <a:spcPts val="500"/>
+              </a:spcBef>
+              <a:buFont typeface="Arial" panose="020B0604020202020204" pitchFamily="34" charset="0"/>
+              <a:buChar char="•"/>
+              <a:defRPr sz="2000" kern="1200">
+                <a:solidFill>
+                  <a:schemeClr val="tx1"/>
+                </a:solidFill>
+                <a:latin typeface="+mn-lt"/>
+                <a:ea typeface="+mn-ea"/>
+                <a:cs typeface="+mn-cs"/>
+              </a:defRPr>
+            </a:lvl3pPr>
+            <a:lvl4pPr marL="1600200" indent="-228600" algn="l" defTabSz="914400" rtl="0" eaLnBrk="1" latinLnBrk="0" hangingPunct="1">
+              <a:lnSpc>
+                <a:spcPct val="90000"/>
+              </a:lnSpc>
+              <a:spcBef>
+                <a:spcPts val="500"/>
+              </a:spcBef>
+              <a:buFont typeface="Arial" panose="020B0604020202020204" pitchFamily="34" charset="0"/>
+              <a:buChar char="•"/>
+              <a:defRPr sz="1800" kern="1200">
+                <a:solidFill>
+                  <a:schemeClr val="tx1"/>
+                </a:solidFill>
+                <a:latin typeface="+mn-lt"/>
+                <a:ea typeface="+mn-ea"/>
+                <a:cs typeface="+mn-cs"/>
+              </a:defRPr>
+            </a:lvl4pPr>
+            <a:lvl5pPr marL="2057400" indent="-228600" algn="l" defTabSz="914400" rtl="0" eaLnBrk="1" latinLnBrk="0" hangingPunct="1">
+              <a:lnSpc>
+                <a:spcPct val="90000"/>
+              </a:lnSpc>
+              <a:spcBef>
+                <a:spcPts val="500"/>
+              </a:spcBef>
+              <a:buFont typeface="Arial" panose="020B0604020202020204" pitchFamily="34" charset="0"/>
+              <a:buChar char="•"/>
+              <a:defRPr sz="1800" kern="1200">
+                <a:solidFill>
+                  <a:schemeClr val="tx1"/>
+                </a:solidFill>
+                <a:latin typeface="+mn-lt"/>
+                <a:ea typeface="+mn-ea"/>
+                <a:cs typeface="+mn-cs"/>
+              </a:defRPr>
+            </a:lvl5pPr>
+            <a:lvl6pPr marL="2514600" indent="-228600" algn="l" defTabSz="914400" rtl="0" eaLnBrk="1" latinLnBrk="0" hangingPunct="1">
+              <a:lnSpc>
+                <a:spcPct val="90000"/>
+              </a:lnSpc>
+              <a:spcBef>
+                <a:spcPts val="500"/>
+              </a:spcBef>
+              <a:buFont typeface="Arial" panose="020B0604020202020204" pitchFamily="34" charset="0"/>
+              <a:buChar char="•"/>
+              <a:defRPr sz="1800" kern="1200">
+                <a:solidFill>
+                  <a:schemeClr val="tx1"/>
+                </a:solidFill>
+                <a:latin typeface="+mn-lt"/>
+                <a:ea typeface="+mn-ea"/>
+                <a:cs typeface="+mn-cs"/>
+              </a:defRPr>
+            </a:lvl6pPr>
+            <a:lvl7pPr marL="2971800" indent="-228600" algn="l" defTabSz="914400" rtl="0" eaLnBrk="1" latinLnBrk="0" hangingPunct="1">
+              <a:lnSpc>
+                <a:spcPct val="90000"/>
+              </a:lnSpc>
+              <a:spcBef>
+                <a:spcPts val="500"/>
+              </a:spcBef>
+              <a:buFont typeface="Arial" panose="020B0604020202020204" pitchFamily="34" charset="0"/>
+              <a:buChar char="•"/>
+              <a:defRPr sz="1800" kern="1200">
+                <a:solidFill>
+                  <a:schemeClr val="tx1"/>
+                </a:solidFill>
+                <a:latin typeface="+mn-lt"/>
+                <a:ea typeface="+mn-ea"/>
+                <a:cs typeface="+mn-cs"/>
+              </a:defRPr>
+            </a:lvl7pPr>
+            <a:lvl8pPr marL="3429000" indent="-228600" algn="l" defTabSz="914400" rtl="0" eaLnBrk="1" latinLnBrk="0" hangingPunct="1">
+              <a:lnSpc>
+                <a:spcPct val="90000"/>
+              </a:lnSpc>
+              <a:spcBef>
+                <a:spcPts val="500"/>
+              </a:spcBef>
+              <a:buFont typeface="Arial" panose="020B0604020202020204" pitchFamily="34" charset="0"/>
+              <a:buChar char="•"/>
+              <a:defRPr sz="1800" kern="1200">
+                <a:solidFill>
+                  <a:schemeClr val="tx1"/>
+                </a:solidFill>
+                <a:latin typeface="+mn-lt"/>
+                <a:ea typeface="+mn-ea"/>
+                <a:cs typeface="+mn-cs"/>
+              </a:defRPr>
+            </a:lvl8pPr>
+            <a:lvl9pPr marL="3886200" indent="-228600" algn="l" defTabSz="914400" rtl="0" eaLnBrk="1" latinLnBrk="0" hangingPunct="1">
+              <a:lnSpc>
+                <a:spcPct val="90000"/>
+              </a:lnSpc>
+              <a:spcBef>
+                <a:spcPts val="500"/>
+              </a:spcBef>
+              <a:buFont typeface="Arial" panose="020B0604020202020204" pitchFamily="34" charset="0"/>
+              <a:buChar char="•"/>
+              <a:defRPr sz="1800" kern="1200">
+                <a:solidFill>
+                  <a:schemeClr val="tx1"/>
+                </a:solidFill>
+                <a:latin typeface="+mn-lt"/>
+                <a:ea typeface="+mn-ea"/>
+                <a:cs typeface="+mn-cs"/>
+              </a:defRPr>
+            </a:lvl9pPr>
+          </a:lstStyle>
+          <a:p>
+            <a:pPr marL="342900" indent="-342900"/>
+            <a:r>
+              <a:rPr lang="en-US" dirty="0"/>
+              <a:t>As discussed in the last lecture</a:t>
+            </a:r>
+          </a:p>
+          <a:p>
+            <a:pPr marL="342900" indent="-342900"/>
+            <a:r>
+              <a:rPr lang="en-US" dirty="0"/>
+              <a:t>We are using a light weight Data structure</a:t>
+            </a:r>
+          </a:p>
+          <a:p>
+            <a:pPr marL="800100" lvl="1" indent="-342900"/>
+            <a:r>
+              <a:rPr lang="en-US" dirty="0" err="1"/>
+              <a:t>namedtuple</a:t>
+            </a:r>
+            <a:endParaRPr lang="en-US" dirty="0"/>
+          </a:p>
+          <a:p>
+            <a:pPr marL="342900" indent="-342900"/>
+            <a:r>
+              <a:rPr lang="en-US" dirty="0"/>
+              <a:t>We add these boxes to our list </a:t>
+            </a:r>
+          </a:p>
+          <a:p>
+            <a:pPr marL="800100" lvl="1" indent="-342900"/>
+            <a:r>
+              <a:rPr lang="en-US" dirty="0"/>
+              <a:t>Boxes</a:t>
+            </a:r>
+          </a:p>
+          <a:p>
+            <a:pPr marL="800100" lvl="1" indent="-342900"/>
+            <a:r>
+              <a:rPr lang="en-US" dirty="0"/>
+              <a:t>Initialized as Boxes = []</a:t>
+            </a:r>
+          </a:p>
+        </p:txBody>
+      </p:sp>
     </p:spTree>
     <p:extLst>
       <p:ext uri="{BB962C8B-B14F-4D97-AF65-F5344CB8AC3E}">
@@ -5218,7 +6204,7 @@
         </p:blipFill>
         <p:spPr>
           <a:xfrm>
-            <a:off x="6539885" y="2965553"/>
+            <a:off x="6330160" y="1396811"/>
             <a:ext cx="5534411" cy="3781480"/>
           </a:xfrm>
           <a:prstGeom prst="rect">
@@ -5226,6 +6212,218 @@
           </a:prstGeom>
         </p:spPr>
       </p:pic>
+      <p:sp>
+        <p:nvSpPr>
+          <p:cNvPr id="3" name="Subtitle 2">
+            <a:extLst>
+              <a:ext uri="{FF2B5EF4-FFF2-40B4-BE49-F238E27FC236}">
+                <a16:creationId xmlns:a16="http://schemas.microsoft.com/office/drawing/2014/main" id="{EA067EA5-28F3-4F83-ADD6-CC575B6D9E1C}"/>
+              </a:ext>
+            </a:extLst>
+          </p:cNvPr>
+          <p:cNvSpPr txBox="1">
+            <a:spLocks/>
+          </p:cNvSpPr>
+          <p:nvPr/>
+        </p:nvSpPr>
+        <p:spPr>
+          <a:xfrm>
+            <a:off x="887768" y="1500326"/>
+            <a:ext cx="4707690" cy="4323425"/>
+          </a:xfrm>
+          <a:prstGeom prst="rect">
+            <a:avLst/>
+          </a:prstGeom>
+        </p:spPr>
+        <p:txBody>
+          <a:bodyPr/>
+          <a:lstStyle>
+            <a:lvl1pPr marL="228600" indent="-228600" algn="l" defTabSz="914400" rtl="0" eaLnBrk="1" latinLnBrk="0" hangingPunct="1">
+              <a:lnSpc>
+                <a:spcPct val="90000"/>
+              </a:lnSpc>
+              <a:spcBef>
+                <a:spcPts val="1000"/>
+              </a:spcBef>
+              <a:buFont typeface="Arial" panose="020B0604020202020204" pitchFamily="34" charset="0"/>
+              <a:buChar char="•"/>
+              <a:defRPr sz="2800" kern="1200">
+                <a:solidFill>
+                  <a:schemeClr val="tx1"/>
+                </a:solidFill>
+                <a:latin typeface="+mn-lt"/>
+                <a:ea typeface="+mn-ea"/>
+                <a:cs typeface="+mn-cs"/>
+              </a:defRPr>
+            </a:lvl1pPr>
+            <a:lvl2pPr marL="685800" indent="-228600" algn="l" defTabSz="914400" rtl="0" eaLnBrk="1" latinLnBrk="0" hangingPunct="1">
+              <a:lnSpc>
+                <a:spcPct val="90000"/>
+              </a:lnSpc>
+              <a:spcBef>
+                <a:spcPts val="500"/>
+              </a:spcBef>
+              <a:buFont typeface="Arial" panose="020B0604020202020204" pitchFamily="34" charset="0"/>
+              <a:buChar char="•"/>
+              <a:defRPr sz="2400" kern="1200">
+                <a:solidFill>
+                  <a:schemeClr val="tx1"/>
+                </a:solidFill>
+                <a:latin typeface="+mn-lt"/>
+                <a:ea typeface="+mn-ea"/>
+                <a:cs typeface="+mn-cs"/>
+              </a:defRPr>
+            </a:lvl2pPr>
+            <a:lvl3pPr marL="1143000" indent="-228600" algn="l" defTabSz="914400" rtl="0" eaLnBrk="1" latinLnBrk="0" hangingPunct="1">
+              <a:lnSpc>
+                <a:spcPct val="90000"/>
+              </a:lnSpc>
+              <a:spcBef>
+                <a:spcPts val="500"/>
+              </a:spcBef>
+              <a:buFont typeface="Arial" panose="020B0604020202020204" pitchFamily="34" charset="0"/>
+              <a:buChar char="•"/>
+              <a:defRPr sz="2000" kern="1200">
+                <a:solidFill>
+                  <a:schemeClr val="tx1"/>
+                </a:solidFill>
+                <a:latin typeface="+mn-lt"/>
+                <a:ea typeface="+mn-ea"/>
+                <a:cs typeface="+mn-cs"/>
+              </a:defRPr>
+            </a:lvl3pPr>
+            <a:lvl4pPr marL="1600200" indent="-228600" algn="l" defTabSz="914400" rtl="0" eaLnBrk="1" latinLnBrk="0" hangingPunct="1">
+              <a:lnSpc>
+                <a:spcPct val="90000"/>
+              </a:lnSpc>
+              <a:spcBef>
+                <a:spcPts val="500"/>
+              </a:spcBef>
+              <a:buFont typeface="Arial" panose="020B0604020202020204" pitchFamily="34" charset="0"/>
+              <a:buChar char="•"/>
+              <a:defRPr sz="1800" kern="1200">
+                <a:solidFill>
+                  <a:schemeClr val="tx1"/>
+                </a:solidFill>
+                <a:latin typeface="+mn-lt"/>
+                <a:ea typeface="+mn-ea"/>
+                <a:cs typeface="+mn-cs"/>
+              </a:defRPr>
+            </a:lvl4pPr>
+            <a:lvl5pPr marL="2057400" indent="-228600" algn="l" defTabSz="914400" rtl="0" eaLnBrk="1" latinLnBrk="0" hangingPunct="1">
+              <a:lnSpc>
+                <a:spcPct val="90000"/>
+              </a:lnSpc>
+              <a:spcBef>
+                <a:spcPts val="500"/>
+              </a:spcBef>
+              <a:buFont typeface="Arial" panose="020B0604020202020204" pitchFamily="34" charset="0"/>
+              <a:buChar char="•"/>
+              <a:defRPr sz="1800" kern="1200">
+                <a:solidFill>
+                  <a:schemeClr val="tx1"/>
+                </a:solidFill>
+                <a:latin typeface="+mn-lt"/>
+                <a:ea typeface="+mn-ea"/>
+                <a:cs typeface="+mn-cs"/>
+              </a:defRPr>
+            </a:lvl5pPr>
+            <a:lvl6pPr marL="2514600" indent="-228600" algn="l" defTabSz="914400" rtl="0" eaLnBrk="1" latinLnBrk="0" hangingPunct="1">
+              <a:lnSpc>
+                <a:spcPct val="90000"/>
+              </a:lnSpc>
+              <a:spcBef>
+                <a:spcPts val="500"/>
+              </a:spcBef>
+              <a:buFont typeface="Arial" panose="020B0604020202020204" pitchFamily="34" charset="0"/>
+              <a:buChar char="•"/>
+              <a:defRPr sz="1800" kern="1200">
+                <a:solidFill>
+                  <a:schemeClr val="tx1"/>
+                </a:solidFill>
+                <a:latin typeface="+mn-lt"/>
+                <a:ea typeface="+mn-ea"/>
+                <a:cs typeface="+mn-cs"/>
+              </a:defRPr>
+            </a:lvl6pPr>
+            <a:lvl7pPr marL="2971800" indent="-228600" algn="l" defTabSz="914400" rtl="0" eaLnBrk="1" latinLnBrk="0" hangingPunct="1">
+              <a:lnSpc>
+                <a:spcPct val="90000"/>
+              </a:lnSpc>
+              <a:spcBef>
+                <a:spcPts val="500"/>
+              </a:spcBef>
+              <a:buFont typeface="Arial" panose="020B0604020202020204" pitchFamily="34" charset="0"/>
+              <a:buChar char="•"/>
+              <a:defRPr sz="1800" kern="1200">
+                <a:solidFill>
+                  <a:schemeClr val="tx1"/>
+                </a:solidFill>
+                <a:latin typeface="+mn-lt"/>
+                <a:ea typeface="+mn-ea"/>
+                <a:cs typeface="+mn-cs"/>
+              </a:defRPr>
+            </a:lvl7pPr>
+            <a:lvl8pPr marL="3429000" indent="-228600" algn="l" defTabSz="914400" rtl="0" eaLnBrk="1" latinLnBrk="0" hangingPunct="1">
+              <a:lnSpc>
+                <a:spcPct val="90000"/>
+              </a:lnSpc>
+              <a:spcBef>
+                <a:spcPts val="500"/>
+              </a:spcBef>
+              <a:buFont typeface="Arial" panose="020B0604020202020204" pitchFamily="34" charset="0"/>
+              <a:buChar char="•"/>
+              <a:defRPr sz="1800" kern="1200">
+                <a:solidFill>
+                  <a:schemeClr val="tx1"/>
+                </a:solidFill>
+                <a:latin typeface="+mn-lt"/>
+                <a:ea typeface="+mn-ea"/>
+                <a:cs typeface="+mn-cs"/>
+              </a:defRPr>
+            </a:lvl8pPr>
+            <a:lvl9pPr marL="3886200" indent="-228600" algn="l" defTabSz="914400" rtl="0" eaLnBrk="1" latinLnBrk="0" hangingPunct="1">
+              <a:lnSpc>
+                <a:spcPct val="90000"/>
+              </a:lnSpc>
+              <a:spcBef>
+                <a:spcPts val="500"/>
+              </a:spcBef>
+              <a:buFont typeface="Arial" panose="020B0604020202020204" pitchFamily="34" charset="0"/>
+              <a:buChar char="•"/>
+              <a:defRPr sz="1800" kern="1200">
+                <a:solidFill>
+                  <a:schemeClr val="tx1"/>
+                </a:solidFill>
+                <a:latin typeface="+mn-lt"/>
+                <a:ea typeface="+mn-ea"/>
+                <a:cs typeface="+mn-cs"/>
+              </a:defRPr>
+            </a:lvl9pPr>
+          </a:lstStyle>
+          <a:p>
+            <a:pPr marL="342900" indent="-342900"/>
+            <a:r>
+              <a:rPr lang="en-US" dirty="0"/>
+              <a:t>We can make the addition of items (box) to our list more intuitive</a:t>
+            </a:r>
+          </a:p>
+          <a:p>
+            <a:pPr marL="342900" indent="-342900"/>
+            <a:r>
+              <a:rPr lang="en-US" dirty="0"/>
+              <a:t>Functions are user defined procedures or mechanisms </a:t>
+            </a:r>
+          </a:p>
+          <a:p>
+            <a:pPr marL="800100" lvl="1" indent="-342900"/>
+            <a:r>
+              <a:rPr lang="en-US" dirty="0"/>
+              <a:t>That facilitate the creation of an intuitive behavior </a:t>
+            </a:r>
+          </a:p>
+        </p:txBody>
+      </p:sp>
     </p:spTree>
     <p:extLst>
       <p:ext uri="{BB962C8B-B14F-4D97-AF65-F5344CB8AC3E}">
@@ -5284,7 +6482,7 @@
         </p:blipFill>
         <p:spPr>
           <a:xfrm>
-            <a:off x="5321052" y="2831976"/>
+            <a:off x="5287496" y="1471116"/>
             <a:ext cx="6765644" cy="3915768"/>
           </a:xfrm>
           <a:prstGeom prst="rect">
@@ -5292,6 +6490,263 @@
           </a:prstGeom>
         </p:spPr>
       </p:pic>
+      <p:sp>
+        <p:nvSpPr>
+          <p:cNvPr id="3" name="Subtitle 2">
+            <a:extLst>
+              <a:ext uri="{FF2B5EF4-FFF2-40B4-BE49-F238E27FC236}">
+                <a16:creationId xmlns:a16="http://schemas.microsoft.com/office/drawing/2014/main" id="{ED4BFB34-142B-44BB-A1DB-0EF4D44D9196}"/>
+              </a:ext>
+            </a:extLst>
+          </p:cNvPr>
+          <p:cNvSpPr txBox="1">
+            <a:spLocks/>
+          </p:cNvSpPr>
+          <p:nvPr/>
+        </p:nvSpPr>
+        <p:spPr>
+          <a:xfrm>
+            <a:off x="493486" y="1559049"/>
+            <a:ext cx="4707690" cy="5009531"/>
+          </a:xfrm>
+          <a:prstGeom prst="rect">
+            <a:avLst/>
+          </a:prstGeom>
+        </p:spPr>
+        <p:txBody>
+          <a:bodyPr/>
+          <a:lstStyle>
+            <a:lvl1pPr marL="228600" indent="-228600" algn="l" defTabSz="914400" rtl="0" eaLnBrk="1" latinLnBrk="0" hangingPunct="1">
+              <a:lnSpc>
+                <a:spcPct val="90000"/>
+              </a:lnSpc>
+              <a:spcBef>
+                <a:spcPts val="1000"/>
+              </a:spcBef>
+              <a:buFont typeface="Arial" panose="020B0604020202020204" pitchFamily="34" charset="0"/>
+              <a:buChar char="•"/>
+              <a:defRPr sz="2800" kern="1200">
+                <a:solidFill>
+                  <a:schemeClr val="tx1"/>
+                </a:solidFill>
+                <a:latin typeface="+mn-lt"/>
+                <a:ea typeface="+mn-ea"/>
+                <a:cs typeface="+mn-cs"/>
+              </a:defRPr>
+            </a:lvl1pPr>
+            <a:lvl2pPr marL="685800" indent="-228600" algn="l" defTabSz="914400" rtl="0" eaLnBrk="1" latinLnBrk="0" hangingPunct="1">
+              <a:lnSpc>
+                <a:spcPct val="90000"/>
+              </a:lnSpc>
+              <a:spcBef>
+                <a:spcPts val="500"/>
+              </a:spcBef>
+              <a:buFont typeface="Arial" panose="020B0604020202020204" pitchFamily="34" charset="0"/>
+              <a:buChar char="•"/>
+              <a:defRPr sz="2400" kern="1200">
+                <a:solidFill>
+                  <a:schemeClr val="tx1"/>
+                </a:solidFill>
+                <a:latin typeface="+mn-lt"/>
+                <a:ea typeface="+mn-ea"/>
+                <a:cs typeface="+mn-cs"/>
+              </a:defRPr>
+            </a:lvl2pPr>
+            <a:lvl3pPr marL="1143000" indent="-228600" algn="l" defTabSz="914400" rtl="0" eaLnBrk="1" latinLnBrk="0" hangingPunct="1">
+              <a:lnSpc>
+                <a:spcPct val="90000"/>
+              </a:lnSpc>
+              <a:spcBef>
+                <a:spcPts val="500"/>
+              </a:spcBef>
+              <a:buFont typeface="Arial" panose="020B0604020202020204" pitchFamily="34" charset="0"/>
+              <a:buChar char="•"/>
+              <a:defRPr sz="2000" kern="1200">
+                <a:solidFill>
+                  <a:schemeClr val="tx1"/>
+                </a:solidFill>
+                <a:latin typeface="+mn-lt"/>
+                <a:ea typeface="+mn-ea"/>
+                <a:cs typeface="+mn-cs"/>
+              </a:defRPr>
+            </a:lvl3pPr>
+            <a:lvl4pPr marL="1600200" indent="-228600" algn="l" defTabSz="914400" rtl="0" eaLnBrk="1" latinLnBrk="0" hangingPunct="1">
+              <a:lnSpc>
+                <a:spcPct val="90000"/>
+              </a:lnSpc>
+              <a:spcBef>
+                <a:spcPts val="500"/>
+              </a:spcBef>
+              <a:buFont typeface="Arial" panose="020B0604020202020204" pitchFamily="34" charset="0"/>
+              <a:buChar char="•"/>
+              <a:defRPr sz="1800" kern="1200">
+                <a:solidFill>
+                  <a:schemeClr val="tx1"/>
+                </a:solidFill>
+                <a:latin typeface="+mn-lt"/>
+                <a:ea typeface="+mn-ea"/>
+                <a:cs typeface="+mn-cs"/>
+              </a:defRPr>
+            </a:lvl4pPr>
+            <a:lvl5pPr marL="2057400" indent="-228600" algn="l" defTabSz="914400" rtl="0" eaLnBrk="1" latinLnBrk="0" hangingPunct="1">
+              <a:lnSpc>
+                <a:spcPct val="90000"/>
+              </a:lnSpc>
+              <a:spcBef>
+                <a:spcPts val="500"/>
+              </a:spcBef>
+              <a:buFont typeface="Arial" panose="020B0604020202020204" pitchFamily="34" charset="0"/>
+              <a:buChar char="•"/>
+              <a:defRPr sz="1800" kern="1200">
+                <a:solidFill>
+                  <a:schemeClr val="tx1"/>
+                </a:solidFill>
+                <a:latin typeface="+mn-lt"/>
+                <a:ea typeface="+mn-ea"/>
+                <a:cs typeface="+mn-cs"/>
+              </a:defRPr>
+            </a:lvl5pPr>
+            <a:lvl6pPr marL="2514600" indent="-228600" algn="l" defTabSz="914400" rtl="0" eaLnBrk="1" latinLnBrk="0" hangingPunct="1">
+              <a:lnSpc>
+                <a:spcPct val="90000"/>
+              </a:lnSpc>
+              <a:spcBef>
+                <a:spcPts val="500"/>
+              </a:spcBef>
+              <a:buFont typeface="Arial" panose="020B0604020202020204" pitchFamily="34" charset="0"/>
+              <a:buChar char="•"/>
+              <a:defRPr sz="1800" kern="1200">
+                <a:solidFill>
+                  <a:schemeClr val="tx1"/>
+                </a:solidFill>
+                <a:latin typeface="+mn-lt"/>
+                <a:ea typeface="+mn-ea"/>
+                <a:cs typeface="+mn-cs"/>
+              </a:defRPr>
+            </a:lvl6pPr>
+            <a:lvl7pPr marL="2971800" indent="-228600" algn="l" defTabSz="914400" rtl="0" eaLnBrk="1" latinLnBrk="0" hangingPunct="1">
+              <a:lnSpc>
+                <a:spcPct val="90000"/>
+              </a:lnSpc>
+              <a:spcBef>
+                <a:spcPts val="500"/>
+              </a:spcBef>
+              <a:buFont typeface="Arial" panose="020B0604020202020204" pitchFamily="34" charset="0"/>
+              <a:buChar char="•"/>
+              <a:defRPr sz="1800" kern="1200">
+                <a:solidFill>
+                  <a:schemeClr val="tx1"/>
+                </a:solidFill>
+                <a:latin typeface="+mn-lt"/>
+                <a:ea typeface="+mn-ea"/>
+                <a:cs typeface="+mn-cs"/>
+              </a:defRPr>
+            </a:lvl7pPr>
+            <a:lvl8pPr marL="3429000" indent="-228600" algn="l" defTabSz="914400" rtl="0" eaLnBrk="1" latinLnBrk="0" hangingPunct="1">
+              <a:lnSpc>
+                <a:spcPct val="90000"/>
+              </a:lnSpc>
+              <a:spcBef>
+                <a:spcPts val="500"/>
+              </a:spcBef>
+              <a:buFont typeface="Arial" panose="020B0604020202020204" pitchFamily="34" charset="0"/>
+              <a:buChar char="•"/>
+              <a:defRPr sz="1800" kern="1200">
+                <a:solidFill>
+                  <a:schemeClr val="tx1"/>
+                </a:solidFill>
+                <a:latin typeface="+mn-lt"/>
+                <a:ea typeface="+mn-ea"/>
+                <a:cs typeface="+mn-cs"/>
+              </a:defRPr>
+            </a:lvl8pPr>
+            <a:lvl9pPr marL="3886200" indent="-228600" algn="l" defTabSz="914400" rtl="0" eaLnBrk="1" latinLnBrk="0" hangingPunct="1">
+              <a:lnSpc>
+                <a:spcPct val="90000"/>
+              </a:lnSpc>
+              <a:spcBef>
+                <a:spcPts val="500"/>
+              </a:spcBef>
+              <a:buFont typeface="Arial" panose="020B0604020202020204" pitchFamily="34" charset="0"/>
+              <a:buChar char="•"/>
+              <a:defRPr sz="1800" kern="1200">
+                <a:solidFill>
+                  <a:schemeClr val="tx1"/>
+                </a:solidFill>
+                <a:latin typeface="+mn-lt"/>
+                <a:ea typeface="+mn-ea"/>
+                <a:cs typeface="+mn-cs"/>
+              </a:defRPr>
+            </a:lvl9pPr>
+          </a:lstStyle>
+          <a:p>
+            <a:pPr marL="342900" indent="-342900"/>
+            <a:r>
+              <a:rPr lang="en-US" dirty="0"/>
+              <a:t>By using functions we can formulate many user defined behavior</a:t>
+            </a:r>
+          </a:p>
+          <a:p>
+            <a:pPr marL="342900" indent="-342900"/>
+            <a:r>
+              <a:rPr lang="en-US" dirty="0"/>
+              <a:t>They also provide a way to </a:t>
+            </a:r>
+            <a:r>
+              <a:rPr lang="en-US" b="1" i="1" u="sng" dirty="0"/>
+              <a:t>package code together </a:t>
+            </a:r>
+            <a:r>
+              <a:rPr lang="en-US" dirty="0"/>
+              <a:t>so that it can be used over and over again. </a:t>
+            </a:r>
+          </a:p>
+          <a:p>
+            <a:pPr marL="800100" lvl="1" indent="-342900"/>
+            <a:r>
+              <a:rPr lang="en-US" dirty="0" err="1"/>
+              <a:t>findBoxes</a:t>
+            </a:r>
+            <a:r>
+              <a:rPr lang="en-US" dirty="0"/>
+              <a:t>(color):</a:t>
+            </a:r>
+          </a:p>
+          <a:p>
+            <a:pPr marL="1257300" lvl="2" indent="-342900"/>
+            <a:r>
+              <a:rPr lang="en-US" dirty="0"/>
+              <a:t>Is used to find boxes based on color</a:t>
+            </a:r>
+          </a:p>
+          <a:p>
+            <a:pPr marL="800100" lvl="1" indent="-342900"/>
+            <a:r>
+              <a:rPr lang="en-US" dirty="0" err="1"/>
+              <a:t>userInputSearchBoxes</a:t>
+            </a:r>
+            <a:r>
+              <a:rPr lang="en-US" dirty="0"/>
+              <a:t>():</a:t>
+            </a:r>
+          </a:p>
+          <a:p>
+            <a:pPr marL="1257300" lvl="2" indent="-342900"/>
+            <a:r>
+              <a:rPr lang="en-US" dirty="0"/>
+              <a:t>Utilizes the function </a:t>
+            </a:r>
+            <a:r>
+              <a:rPr lang="en-US" dirty="0" err="1"/>
+              <a:t>findBoxes</a:t>
+            </a:r>
+            <a:r>
+              <a:rPr lang="en-US" dirty="0"/>
+              <a:t> </a:t>
+            </a:r>
+          </a:p>
+        </p:txBody>
+      </p:sp>
     </p:spTree>
     <p:extLst>
       <p:ext uri="{BB962C8B-B14F-4D97-AF65-F5344CB8AC3E}">
@@ -5350,7 +6805,7 @@
         </p:blipFill>
         <p:spPr>
           <a:xfrm>
-            <a:off x="5041290" y="1040218"/>
+            <a:off x="5032412" y="692458"/>
             <a:ext cx="7040095" cy="5715690"/>
           </a:xfrm>
           <a:prstGeom prst="rect">
@@ -5358,6 +6813,263 @@
           </a:prstGeom>
         </p:spPr>
       </p:pic>
+      <p:sp>
+        <p:nvSpPr>
+          <p:cNvPr id="3" name="Subtitle 2">
+            <a:extLst>
+              <a:ext uri="{FF2B5EF4-FFF2-40B4-BE49-F238E27FC236}">
+                <a16:creationId xmlns:a16="http://schemas.microsoft.com/office/drawing/2014/main" id="{86185650-3099-49F4-839C-99F50A7D50C5}"/>
+              </a:ext>
+            </a:extLst>
+          </p:cNvPr>
+          <p:cNvSpPr txBox="1">
+            <a:spLocks/>
+          </p:cNvSpPr>
+          <p:nvPr/>
+        </p:nvSpPr>
+        <p:spPr>
+          <a:xfrm>
+            <a:off x="345003" y="1096390"/>
+            <a:ext cx="4687409" cy="4958181"/>
+          </a:xfrm>
+          <a:prstGeom prst="rect">
+            <a:avLst/>
+          </a:prstGeom>
+        </p:spPr>
+        <p:txBody>
+          <a:bodyPr/>
+          <a:lstStyle>
+            <a:lvl1pPr marL="228600" indent="-228600" algn="l" defTabSz="914400" rtl="0" eaLnBrk="1" latinLnBrk="0" hangingPunct="1">
+              <a:lnSpc>
+                <a:spcPct val="90000"/>
+              </a:lnSpc>
+              <a:spcBef>
+                <a:spcPts val="1000"/>
+              </a:spcBef>
+              <a:buFont typeface="Arial" panose="020B0604020202020204" pitchFamily="34" charset="0"/>
+              <a:buChar char="•"/>
+              <a:defRPr sz="2800" kern="1200">
+                <a:solidFill>
+                  <a:schemeClr val="tx1"/>
+                </a:solidFill>
+                <a:latin typeface="+mn-lt"/>
+                <a:ea typeface="+mn-ea"/>
+                <a:cs typeface="+mn-cs"/>
+              </a:defRPr>
+            </a:lvl1pPr>
+            <a:lvl2pPr marL="685800" indent="-228600" algn="l" defTabSz="914400" rtl="0" eaLnBrk="1" latinLnBrk="0" hangingPunct="1">
+              <a:lnSpc>
+                <a:spcPct val="90000"/>
+              </a:lnSpc>
+              <a:spcBef>
+                <a:spcPts val="500"/>
+              </a:spcBef>
+              <a:buFont typeface="Arial" panose="020B0604020202020204" pitchFamily="34" charset="0"/>
+              <a:buChar char="•"/>
+              <a:defRPr sz="2400" kern="1200">
+                <a:solidFill>
+                  <a:schemeClr val="tx1"/>
+                </a:solidFill>
+                <a:latin typeface="+mn-lt"/>
+                <a:ea typeface="+mn-ea"/>
+                <a:cs typeface="+mn-cs"/>
+              </a:defRPr>
+            </a:lvl2pPr>
+            <a:lvl3pPr marL="1143000" indent="-228600" algn="l" defTabSz="914400" rtl="0" eaLnBrk="1" latinLnBrk="0" hangingPunct="1">
+              <a:lnSpc>
+                <a:spcPct val="90000"/>
+              </a:lnSpc>
+              <a:spcBef>
+                <a:spcPts val="500"/>
+              </a:spcBef>
+              <a:buFont typeface="Arial" panose="020B0604020202020204" pitchFamily="34" charset="0"/>
+              <a:buChar char="•"/>
+              <a:defRPr sz="2000" kern="1200">
+                <a:solidFill>
+                  <a:schemeClr val="tx1"/>
+                </a:solidFill>
+                <a:latin typeface="+mn-lt"/>
+                <a:ea typeface="+mn-ea"/>
+                <a:cs typeface="+mn-cs"/>
+              </a:defRPr>
+            </a:lvl3pPr>
+            <a:lvl4pPr marL="1600200" indent="-228600" algn="l" defTabSz="914400" rtl="0" eaLnBrk="1" latinLnBrk="0" hangingPunct="1">
+              <a:lnSpc>
+                <a:spcPct val="90000"/>
+              </a:lnSpc>
+              <a:spcBef>
+                <a:spcPts val="500"/>
+              </a:spcBef>
+              <a:buFont typeface="Arial" panose="020B0604020202020204" pitchFamily="34" charset="0"/>
+              <a:buChar char="•"/>
+              <a:defRPr sz="1800" kern="1200">
+                <a:solidFill>
+                  <a:schemeClr val="tx1"/>
+                </a:solidFill>
+                <a:latin typeface="+mn-lt"/>
+                <a:ea typeface="+mn-ea"/>
+                <a:cs typeface="+mn-cs"/>
+              </a:defRPr>
+            </a:lvl4pPr>
+            <a:lvl5pPr marL="2057400" indent="-228600" algn="l" defTabSz="914400" rtl="0" eaLnBrk="1" latinLnBrk="0" hangingPunct="1">
+              <a:lnSpc>
+                <a:spcPct val="90000"/>
+              </a:lnSpc>
+              <a:spcBef>
+                <a:spcPts val="500"/>
+              </a:spcBef>
+              <a:buFont typeface="Arial" panose="020B0604020202020204" pitchFamily="34" charset="0"/>
+              <a:buChar char="•"/>
+              <a:defRPr sz="1800" kern="1200">
+                <a:solidFill>
+                  <a:schemeClr val="tx1"/>
+                </a:solidFill>
+                <a:latin typeface="+mn-lt"/>
+                <a:ea typeface="+mn-ea"/>
+                <a:cs typeface="+mn-cs"/>
+              </a:defRPr>
+            </a:lvl5pPr>
+            <a:lvl6pPr marL="2514600" indent="-228600" algn="l" defTabSz="914400" rtl="0" eaLnBrk="1" latinLnBrk="0" hangingPunct="1">
+              <a:lnSpc>
+                <a:spcPct val="90000"/>
+              </a:lnSpc>
+              <a:spcBef>
+                <a:spcPts val="500"/>
+              </a:spcBef>
+              <a:buFont typeface="Arial" panose="020B0604020202020204" pitchFamily="34" charset="0"/>
+              <a:buChar char="•"/>
+              <a:defRPr sz="1800" kern="1200">
+                <a:solidFill>
+                  <a:schemeClr val="tx1"/>
+                </a:solidFill>
+                <a:latin typeface="+mn-lt"/>
+                <a:ea typeface="+mn-ea"/>
+                <a:cs typeface="+mn-cs"/>
+              </a:defRPr>
+            </a:lvl6pPr>
+            <a:lvl7pPr marL="2971800" indent="-228600" algn="l" defTabSz="914400" rtl="0" eaLnBrk="1" latinLnBrk="0" hangingPunct="1">
+              <a:lnSpc>
+                <a:spcPct val="90000"/>
+              </a:lnSpc>
+              <a:spcBef>
+                <a:spcPts val="500"/>
+              </a:spcBef>
+              <a:buFont typeface="Arial" panose="020B0604020202020204" pitchFamily="34" charset="0"/>
+              <a:buChar char="•"/>
+              <a:defRPr sz="1800" kern="1200">
+                <a:solidFill>
+                  <a:schemeClr val="tx1"/>
+                </a:solidFill>
+                <a:latin typeface="+mn-lt"/>
+                <a:ea typeface="+mn-ea"/>
+                <a:cs typeface="+mn-cs"/>
+              </a:defRPr>
+            </a:lvl7pPr>
+            <a:lvl8pPr marL="3429000" indent="-228600" algn="l" defTabSz="914400" rtl="0" eaLnBrk="1" latinLnBrk="0" hangingPunct="1">
+              <a:lnSpc>
+                <a:spcPct val="90000"/>
+              </a:lnSpc>
+              <a:spcBef>
+                <a:spcPts val="500"/>
+              </a:spcBef>
+              <a:buFont typeface="Arial" panose="020B0604020202020204" pitchFamily="34" charset="0"/>
+              <a:buChar char="•"/>
+              <a:defRPr sz="1800" kern="1200">
+                <a:solidFill>
+                  <a:schemeClr val="tx1"/>
+                </a:solidFill>
+                <a:latin typeface="+mn-lt"/>
+                <a:ea typeface="+mn-ea"/>
+                <a:cs typeface="+mn-cs"/>
+              </a:defRPr>
+            </a:lvl8pPr>
+            <a:lvl9pPr marL="3886200" indent="-228600" algn="l" defTabSz="914400" rtl="0" eaLnBrk="1" latinLnBrk="0" hangingPunct="1">
+              <a:lnSpc>
+                <a:spcPct val="90000"/>
+              </a:lnSpc>
+              <a:spcBef>
+                <a:spcPts val="500"/>
+              </a:spcBef>
+              <a:buFont typeface="Arial" panose="020B0604020202020204" pitchFamily="34" charset="0"/>
+              <a:buChar char="•"/>
+              <a:defRPr sz="1800" kern="1200">
+                <a:solidFill>
+                  <a:schemeClr val="tx1"/>
+                </a:solidFill>
+                <a:latin typeface="+mn-lt"/>
+                <a:ea typeface="+mn-ea"/>
+                <a:cs typeface="+mn-cs"/>
+              </a:defRPr>
+            </a:lvl9pPr>
+          </a:lstStyle>
+          <a:p>
+            <a:pPr marL="342900" indent="-342900"/>
+            <a:r>
+              <a:rPr lang="en-US" sz="2400" dirty="0"/>
+              <a:t>We define a function </a:t>
+            </a:r>
+            <a:r>
+              <a:rPr lang="en-US" sz="2400" dirty="0" err="1"/>
+              <a:t>findMultipleBoxes</a:t>
+            </a:r>
+            <a:r>
+              <a:rPr lang="en-US" sz="2400" dirty="0"/>
+              <a:t>(**params) </a:t>
+            </a:r>
+          </a:p>
+          <a:p>
+            <a:pPr marL="800100" lvl="1" indent="-342900"/>
+            <a:r>
+              <a:rPr lang="en-US" sz="2000" dirty="0"/>
+              <a:t>Which takes a dictionary as an input.</a:t>
+            </a:r>
+          </a:p>
+          <a:p>
+            <a:pPr marL="342900" indent="-342900"/>
+            <a:r>
+              <a:rPr lang="en-US" sz="2400" dirty="0"/>
+              <a:t>The </a:t>
+            </a:r>
+            <a:r>
+              <a:rPr lang="en-US" sz="2400" dirty="0" err="1"/>
+              <a:t>createABoxDict</a:t>
+            </a:r>
+            <a:r>
+              <a:rPr lang="en-US" sz="2400" dirty="0"/>
+              <a:t> method is used to create a dictionary.</a:t>
+            </a:r>
+          </a:p>
+          <a:p>
+            <a:pPr marL="342900" indent="-342900"/>
+            <a:r>
+              <a:rPr lang="en-US" sz="2400" dirty="0"/>
+              <a:t>The </a:t>
+            </a:r>
+            <a:r>
+              <a:rPr lang="en-US" sz="2400" dirty="0" err="1"/>
+              <a:t>userInputSearchMultipleBoxes</a:t>
+            </a:r>
+            <a:r>
+              <a:rPr lang="en-US" sz="2400" dirty="0"/>
+              <a:t> methods </a:t>
+            </a:r>
+          </a:p>
+          <a:p>
+            <a:pPr marL="800100" lvl="1" indent="-342900"/>
+            <a:r>
+              <a:rPr lang="en-US" sz="2000" dirty="0"/>
+              <a:t>Enables a user to create dictionary and </a:t>
+            </a:r>
+          </a:p>
+          <a:p>
+            <a:pPr marL="800100" lvl="1" indent="-342900"/>
+            <a:r>
+              <a:rPr lang="en-US" sz="2000" dirty="0"/>
+              <a:t>Then searches boxes based on color values entered by the user.</a:t>
+            </a:r>
+          </a:p>
+        </p:txBody>
+      </p:sp>
     </p:spTree>
     <p:extLst>
       <p:ext uri="{BB962C8B-B14F-4D97-AF65-F5344CB8AC3E}">
